--- a/assorted diagrams and images.pptx
+++ b/assorted diagrams and images.pptx
@@ -6,13 +6,14 @@
   </p:sldMasterIdLst>
   <p:sldIdLst>
     <p:sldId id="256" r:id="rId2"/>
-    <p:sldId id="257" r:id="rId3"/>
-    <p:sldId id="258" r:id="rId4"/>
-    <p:sldId id="261" r:id="rId5"/>
-    <p:sldId id="262" r:id="rId6"/>
-    <p:sldId id="263" r:id="rId7"/>
-    <p:sldId id="260" r:id="rId8"/>
-    <p:sldId id="259" r:id="rId9"/>
+    <p:sldId id="264" r:id="rId3"/>
+    <p:sldId id="257" r:id="rId4"/>
+    <p:sldId id="258" r:id="rId5"/>
+    <p:sldId id="261" r:id="rId6"/>
+    <p:sldId id="262" r:id="rId7"/>
+    <p:sldId id="263" r:id="rId8"/>
+    <p:sldId id="260" r:id="rId9"/>
+    <p:sldId id="259" r:id="rId10"/>
   </p:sldIdLst>
   <p:sldSz cx="12192000" cy="6858000"/>
   <p:notesSz cx="6858000" cy="9144000"/>
@@ -268,7 +269,7 @@
           <a:p>
             <a:fld id="{89FAC75A-A333-4F67-B072-2A5BF3165BCF}" type="datetimeFigureOut">
               <a:rPr lang="en-GB" smtClean="0"/>
-              <a:t>25/11/2018</a:t>
+              <a:t>30/11/2018</a:t>
             </a:fld>
             <a:endParaRPr lang="en-GB"/>
           </a:p>
@@ -468,7 +469,7 @@
           <a:p>
             <a:fld id="{89FAC75A-A333-4F67-B072-2A5BF3165BCF}" type="datetimeFigureOut">
               <a:rPr lang="en-GB" smtClean="0"/>
-              <a:t>25/11/2018</a:t>
+              <a:t>30/11/2018</a:t>
             </a:fld>
             <a:endParaRPr lang="en-GB"/>
           </a:p>
@@ -678,7 +679,7 @@
           <a:p>
             <a:fld id="{89FAC75A-A333-4F67-B072-2A5BF3165BCF}" type="datetimeFigureOut">
               <a:rPr lang="en-GB" smtClean="0"/>
-              <a:t>25/11/2018</a:t>
+              <a:t>30/11/2018</a:t>
             </a:fld>
             <a:endParaRPr lang="en-GB"/>
           </a:p>
@@ -878,7 +879,7 @@
           <a:p>
             <a:fld id="{89FAC75A-A333-4F67-B072-2A5BF3165BCF}" type="datetimeFigureOut">
               <a:rPr lang="en-GB" smtClean="0"/>
-              <a:t>25/11/2018</a:t>
+              <a:t>30/11/2018</a:t>
             </a:fld>
             <a:endParaRPr lang="en-GB"/>
           </a:p>
@@ -1154,7 +1155,7 @@
           <a:p>
             <a:fld id="{89FAC75A-A333-4F67-B072-2A5BF3165BCF}" type="datetimeFigureOut">
               <a:rPr lang="en-GB" smtClean="0"/>
-              <a:t>25/11/2018</a:t>
+              <a:t>30/11/2018</a:t>
             </a:fld>
             <a:endParaRPr lang="en-GB"/>
           </a:p>
@@ -1422,7 +1423,7 @@
           <a:p>
             <a:fld id="{89FAC75A-A333-4F67-B072-2A5BF3165BCF}" type="datetimeFigureOut">
               <a:rPr lang="en-GB" smtClean="0"/>
-              <a:t>25/11/2018</a:t>
+              <a:t>30/11/2018</a:t>
             </a:fld>
             <a:endParaRPr lang="en-GB"/>
           </a:p>
@@ -1837,7 +1838,7 @@
           <a:p>
             <a:fld id="{89FAC75A-A333-4F67-B072-2A5BF3165BCF}" type="datetimeFigureOut">
               <a:rPr lang="en-GB" smtClean="0"/>
-              <a:t>25/11/2018</a:t>
+              <a:t>30/11/2018</a:t>
             </a:fld>
             <a:endParaRPr lang="en-GB"/>
           </a:p>
@@ -1979,7 +1980,7 @@
           <a:p>
             <a:fld id="{89FAC75A-A333-4F67-B072-2A5BF3165BCF}" type="datetimeFigureOut">
               <a:rPr lang="en-GB" smtClean="0"/>
-              <a:t>25/11/2018</a:t>
+              <a:t>30/11/2018</a:t>
             </a:fld>
             <a:endParaRPr lang="en-GB"/>
           </a:p>
@@ -2092,7 +2093,7 @@
           <a:p>
             <a:fld id="{89FAC75A-A333-4F67-B072-2A5BF3165BCF}" type="datetimeFigureOut">
               <a:rPr lang="en-GB" smtClean="0"/>
-              <a:t>25/11/2018</a:t>
+              <a:t>30/11/2018</a:t>
             </a:fld>
             <a:endParaRPr lang="en-GB"/>
           </a:p>
@@ -2405,7 +2406,7 @@
           <a:p>
             <a:fld id="{89FAC75A-A333-4F67-B072-2A5BF3165BCF}" type="datetimeFigureOut">
               <a:rPr lang="en-GB" smtClean="0"/>
-              <a:t>25/11/2018</a:t>
+              <a:t>30/11/2018</a:t>
             </a:fld>
             <a:endParaRPr lang="en-GB"/>
           </a:p>
@@ -2694,7 +2695,7 @@
           <a:p>
             <a:fld id="{89FAC75A-A333-4F67-B072-2A5BF3165BCF}" type="datetimeFigureOut">
               <a:rPr lang="en-GB" smtClean="0"/>
-              <a:t>25/11/2018</a:t>
+              <a:t>30/11/2018</a:t>
             </a:fld>
             <a:endParaRPr lang="en-GB"/>
           </a:p>
@@ -2937,7 +2938,7 @@
           <a:p>
             <a:fld id="{89FAC75A-A333-4F67-B072-2A5BF3165BCF}" type="datetimeFigureOut">
               <a:rPr lang="en-GB" smtClean="0"/>
-              <a:t>25/11/2018</a:t>
+              <a:t>30/11/2018</a:t>
             </a:fld>
             <a:endParaRPr lang="en-GB"/>
           </a:p>
@@ -3493,7 +3494,7 @@
           <p:cNvPr id="4" name="Picture 3">
             <a:extLst>
               <a:ext uri="{FF2B5EF4-FFF2-40B4-BE49-F238E27FC236}">
-                <a16:creationId xmlns:a16="http://schemas.microsoft.com/office/drawing/2014/main" id="{CC624D34-624C-4598-8D41-8EABDDF1E6B5}"/>
+                <a16:creationId xmlns:a16="http://schemas.microsoft.com/office/drawing/2014/main" id="{23CE3146-8CF9-4677-8BEE-ADC1F534583E}"/>
               </a:ext>
             </a:extLst>
           </p:cNvPr>
@@ -3502,15 +3503,16 @@
           </p:cNvPicPr>
           <p:nvPr/>
         </p:nvPicPr>
-        <p:blipFill rotWithShape="1">
+        <p:blipFill>
           <a:blip r:embed="rId2"/>
-          <a:srcRect b="12862"/>
-          <a:stretch/>
+          <a:stretch>
+            <a:fillRect/>
+          </a:stretch>
         </p:blipFill>
         <p:spPr>
           <a:xfrm>
-            <a:off x="549965" y="652670"/>
-            <a:ext cx="3657600" cy="4780722"/>
+            <a:off x="919369" y="948565"/>
+            <a:ext cx="5105400" cy="4695825"/>
           </a:xfrm>
           <a:prstGeom prst="rect">
             <a:avLst/>
@@ -3522,7 +3524,7 @@
           <p:cNvPr id="5" name="Picture 4">
             <a:extLst>
               <a:ext uri="{FF2B5EF4-FFF2-40B4-BE49-F238E27FC236}">
-                <a16:creationId xmlns:a16="http://schemas.microsoft.com/office/drawing/2014/main" id="{B06D17E3-70FD-4486-BDF2-92AA7E698787}"/>
+                <a16:creationId xmlns:a16="http://schemas.microsoft.com/office/drawing/2014/main" id="{8D61C304-6B7F-4CE9-99EE-5DBF47C721DD}"/>
               </a:ext>
             </a:extLst>
           </p:cNvPr>
@@ -3539,38 +3541,8 @@
         </p:blipFill>
         <p:spPr>
           <a:xfrm>
-            <a:off x="4371564" y="3214067"/>
-            <a:ext cx="5410200" cy="2219325"/>
-          </a:xfrm>
-          <a:prstGeom prst="rect">
-            <a:avLst/>
-          </a:prstGeom>
-        </p:spPr>
-      </p:pic>
-      <p:pic>
-        <p:nvPicPr>
-          <p:cNvPr id="7" name="Picture 6">
-            <a:extLst>
-              <a:ext uri="{FF2B5EF4-FFF2-40B4-BE49-F238E27FC236}">
-                <a16:creationId xmlns:a16="http://schemas.microsoft.com/office/drawing/2014/main" id="{7F5CA2DE-CEA3-4507-A02A-EEC7B769428D}"/>
-              </a:ext>
-            </a:extLst>
-          </p:cNvPr>
-          <p:cNvPicPr>
-            <a:picLocks noChangeAspect="1"/>
-          </p:cNvPicPr>
-          <p:nvPr/>
-        </p:nvPicPr>
-        <p:blipFill>
-          <a:blip r:embed="rId4"/>
-          <a:stretch>
-            <a:fillRect/>
-          </a:stretch>
-        </p:blipFill>
-        <p:spPr>
-          <a:xfrm>
-            <a:off x="4207565" y="752264"/>
-            <a:ext cx="4969565" cy="2195228"/>
+            <a:off x="6341165" y="1108006"/>
+            <a:ext cx="5161476" cy="4536384"/>
           </a:xfrm>
           <a:prstGeom prst="rect">
             <a:avLst/>
@@ -3580,7 +3552,7 @@
     </p:spTree>
     <p:extLst>
       <p:ext uri="{BB962C8B-B14F-4D97-AF65-F5344CB8AC3E}">
-        <p14:creationId xmlns:p14="http://schemas.microsoft.com/office/powerpoint/2010/main" val="1548267893"/>
+        <p14:creationId xmlns:p14="http://schemas.microsoft.com/office/powerpoint/2010/main" val="974602791"/>
       </p:ext>
     </p:extLst>
   </p:cSld>
@@ -3609,6 +3581,125 @@
       </p:grpSpPr>
       <p:pic>
         <p:nvPicPr>
+          <p:cNvPr id="4" name="Picture 3">
+            <a:extLst>
+              <a:ext uri="{FF2B5EF4-FFF2-40B4-BE49-F238E27FC236}">
+                <a16:creationId xmlns:a16="http://schemas.microsoft.com/office/drawing/2014/main" id="{CC624D34-624C-4598-8D41-8EABDDF1E6B5}"/>
+              </a:ext>
+            </a:extLst>
+          </p:cNvPr>
+          <p:cNvPicPr>
+            <a:picLocks noChangeAspect="1"/>
+          </p:cNvPicPr>
+          <p:nvPr/>
+        </p:nvPicPr>
+        <p:blipFill rotWithShape="1">
+          <a:blip r:embed="rId2"/>
+          <a:srcRect b="12862"/>
+          <a:stretch/>
+        </p:blipFill>
+        <p:spPr>
+          <a:xfrm>
+            <a:off x="549965" y="652670"/>
+            <a:ext cx="3657600" cy="4780722"/>
+          </a:xfrm>
+          <a:prstGeom prst="rect">
+            <a:avLst/>
+          </a:prstGeom>
+        </p:spPr>
+      </p:pic>
+      <p:pic>
+        <p:nvPicPr>
+          <p:cNvPr id="5" name="Picture 4">
+            <a:extLst>
+              <a:ext uri="{FF2B5EF4-FFF2-40B4-BE49-F238E27FC236}">
+                <a16:creationId xmlns:a16="http://schemas.microsoft.com/office/drawing/2014/main" id="{B06D17E3-70FD-4486-BDF2-92AA7E698787}"/>
+              </a:ext>
+            </a:extLst>
+          </p:cNvPr>
+          <p:cNvPicPr>
+            <a:picLocks noChangeAspect="1"/>
+          </p:cNvPicPr>
+          <p:nvPr/>
+        </p:nvPicPr>
+        <p:blipFill>
+          <a:blip r:embed="rId3"/>
+          <a:stretch>
+            <a:fillRect/>
+          </a:stretch>
+        </p:blipFill>
+        <p:spPr>
+          <a:xfrm>
+            <a:off x="4371564" y="3214067"/>
+            <a:ext cx="5410200" cy="2219325"/>
+          </a:xfrm>
+          <a:prstGeom prst="rect">
+            <a:avLst/>
+          </a:prstGeom>
+        </p:spPr>
+      </p:pic>
+      <p:pic>
+        <p:nvPicPr>
+          <p:cNvPr id="7" name="Picture 6">
+            <a:extLst>
+              <a:ext uri="{FF2B5EF4-FFF2-40B4-BE49-F238E27FC236}">
+                <a16:creationId xmlns:a16="http://schemas.microsoft.com/office/drawing/2014/main" id="{7F5CA2DE-CEA3-4507-A02A-EEC7B769428D}"/>
+              </a:ext>
+            </a:extLst>
+          </p:cNvPr>
+          <p:cNvPicPr>
+            <a:picLocks noChangeAspect="1"/>
+          </p:cNvPicPr>
+          <p:nvPr/>
+        </p:nvPicPr>
+        <p:blipFill>
+          <a:blip r:embed="rId4"/>
+          <a:stretch>
+            <a:fillRect/>
+          </a:stretch>
+        </p:blipFill>
+        <p:spPr>
+          <a:xfrm>
+            <a:off x="4207565" y="752264"/>
+            <a:ext cx="4969565" cy="2195228"/>
+          </a:xfrm>
+          <a:prstGeom prst="rect">
+            <a:avLst/>
+          </a:prstGeom>
+        </p:spPr>
+      </p:pic>
+    </p:spTree>
+    <p:extLst>
+      <p:ext uri="{BB962C8B-B14F-4D97-AF65-F5344CB8AC3E}">
+        <p14:creationId xmlns:p14="http://schemas.microsoft.com/office/powerpoint/2010/main" val="1548267893"/>
+      </p:ext>
+    </p:extLst>
+  </p:cSld>
+  <p:clrMapOvr>
+    <a:masterClrMapping/>
+  </p:clrMapOvr>
+</p:sld>
+</file>
+
+<file path=ppt/slides/slide4.xml><?xml version="1.0" encoding="utf-8"?>
+<p:sld xmlns:a="http://schemas.openxmlformats.org/drawingml/2006/main" xmlns:r="http://schemas.openxmlformats.org/officeDocument/2006/relationships" xmlns:p="http://schemas.openxmlformats.org/presentationml/2006/main">
+  <p:cSld>
+    <p:spTree>
+      <p:nvGrpSpPr>
+        <p:cNvPr id="1" name=""/>
+        <p:cNvGrpSpPr/>
+        <p:nvPr/>
+      </p:nvGrpSpPr>
+      <p:grpSpPr>
+        <a:xfrm>
+          <a:off x="0" y="0"/>
+          <a:ext cx="0" cy="0"/>
+          <a:chOff x="0" y="0"/>
+          <a:chExt cx="0" cy="0"/>
+        </a:xfrm>
+      </p:grpSpPr>
+      <p:pic>
+        <p:nvPicPr>
           <p:cNvPr id="2050" name="Picture 2" descr="https://cdn-images-1.medium.com/max/800/1*0OCjIDgudT-s3DjTj_XJNw.png">
             <a:extLst>
               <a:ext uri="{FF2B5EF4-FFF2-40B4-BE49-F238E27FC236}">
@@ -4785,7 +4876,7 @@
 </p:sld>
 </file>
 
-<file path=ppt/slides/slide4.xml><?xml version="1.0" encoding="utf-8"?>
+<file path=ppt/slides/slide5.xml><?xml version="1.0" encoding="utf-8"?>
 <p:sld xmlns:a="http://schemas.openxmlformats.org/drawingml/2006/main" xmlns:r="http://schemas.openxmlformats.org/officeDocument/2006/relationships" xmlns:p="http://schemas.openxmlformats.org/presentationml/2006/main">
   <p:cSld>
     <p:spTree>
@@ -10682,7 +10773,7 @@
 </p:sld>
 </file>
 
-<file path=ppt/slides/slide5.xml><?xml version="1.0" encoding="utf-8"?>
+<file path=ppt/slides/slide6.xml><?xml version="1.0" encoding="utf-8"?>
 <p:sld xmlns:a="http://schemas.openxmlformats.org/drawingml/2006/main" xmlns:r="http://schemas.openxmlformats.org/officeDocument/2006/relationships" xmlns:p="http://schemas.openxmlformats.org/presentationml/2006/main">
   <p:cSld>
     <p:spTree>
@@ -14227,7 +14318,7 @@
 </p:sld>
 </file>
 
-<file path=ppt/slides/slide6.xml><?xml version="1.0" encoding="utf-8"?>
+<file path=ppt/slides/slide7.xml><?xml version="1.0" encoding="utf-8"?>
 <p:sld xmlns:a="http://schemas.openxmlformats.org/drawingml/2006/main" xmlns:r="http://schemas.openxmlformats.org/officeDocument/2006/relationships" xmlns:p="http://schemas.openxmlformats.org/presentationml/2006/main">
   <p:cSld>
     <p:spTree>
@@ -18148,7 +18239,7 @@
 </p:sld>
 </file>
 
-<file path=ppt/slides/slide7.xml><?xml version="1.0" encoding="utf-8"?>
+<file path=ppt/slides/slide8.xml><?xml version="1.0" encoding="utf-8"?>
 <p:sld xmlns:a="http://schemas.openxmlformats.org/drawingml/2006/main" xmlns:r="http://schemas.openxmlformats.org/officeDocument/2006/relationships" xmlns:p="http://schemas.openxmlformats.org/presentationml/2006/main">
   <p:cSld>
     <p:spTree>
@@ -19409,7 +19500,7 @@
 </p:sld>
 </file>
 
-<file path=ppt/slides/slide8.xml><?xml version="1.0" encoding="utf-8"?>
+<file path=ppt/slides/slide9.xml><?xml version="1.0" encoding="utf-8"?>
 <p:sld xmlns:a="http://schemas.openxmlformats.org/drawingml/2006/main" xmlns:r="http://schemas.openxmlformats.org/officeDocument/2006/relationships" xmlns:p="http://schemas.openxmlformats.org/presentationml/2006/main">
   <p:cSld>
     <p:spTree>
@@ -19440,7 +19531,7 @@
         </p:nvSpPr>
         <p:spPr>
           <a:xfrm>
-            <a:off x="7019104" y="2107297"/>
+            <a:off x="6982177" y="2100596"/>
             <a:ext cx="566476" cy="707886"/>
           </a:xfrm>
           <a:prstGeom prst="rect">
@@ -19583,8 +19674,8 @@
         </p:nvSpPr>
         <p:spPr>
           <a:xfrm>
-            <a:off x="7409474" y="2104246"/>
-            <a:ext cx="127319" cy="265443"/>
+            <a:off x="7409474" y="2092690"/>
+            <a:ext cx="158659" cy="276999"/>
           </a:xfrm>
           <a:prstGeom prst="roundRect">
             <a:avLst/>
@@ -20643,7 +20734,7 @@
         </p:nvSpPr>
         <p:spPr>
           <a:xfrm>
-            <a:off x="7346159" y="2140746"/>
+            <a:off x="7342162" y="2125429"/>
             <a:ext cx="566476" cy="502702"/>
           </a:xfrm>
           <a:prstGeom prst="rect">
@@ -20658,7 +20749,7 @@
           <a:lstStyle/>
           <a:p>
             <a:r>
-              <a:rPr lang="en-GB" sz="4000" b="1" baseline="30000" dirty="0">
+              <a:rPr lang="en-GB" sz="4000" b="1" i="1" baseline="30000" dirty="0">
                 <a:solidFill>
                   <a:schemeClr val="accent6">
                     <a:lumMod val="75000"/>
@@ -20686,7 +20777,7 @@
         </p:nvSpPr>
         <p:spPr>
           <a:xfrm>
-            <a:off x="7373368" y="2305899"/>
+            <a:off x="7342162" y="2322951"/>
             <a:ext cx="367135" cy="502702"/>
           </a:xfrm>
           <a:prstGeom prst="rect">
@@ -20701,14 +20792,14 @@
           <a:lstStyle/>
           <a:p>
             <a:r>
-              <a:rPr lang="en-GB" sz="4000" b="1" baseline="-25000" dirty="0">
+              <a:rPr lang="en-GB" sz="4000" b="1" i="1" baseline="-25000" dirty="0">
                 <a:solidFill>
                   <a:srgbClr val="FFC000"/>
                 </a:solidFill>
                 <a:latin typeface="Times New Roman" panose="02020603050405020304" pitchFamily="18" charset="0"/>
                 <a:cs typeface="Times New Roman" panose="02020603050405020304" pitchFamily="18" charset="0"/>
               </a:rPr>
-              <a:t>j</a:t>
+              <a:t>i</a:t>
             </a:r>
             <a:r>
               <a:rPr lang="en-GB" sz="4000" b="1" baseline="-25000" dirty="0">
@@ -20741,7 +20832,7 @@
         <p:spPr>
           <a:xfrm>
             <a:off x="7409474" y="2534939"/>
-            <a:ext cx="158659" cy="348520"/>
+            <a:ext cx="158659" cy="376552"/>
           </a:xfrm>
           <a:prstGeom prst="roundRect">
             <a:avLst/>
@@ -20792,7 +20883,7 @@
         </p:nvSpPr>
         <p:spPr>
           <a:xfrm>
-            <a:off x="7548363" y="2304088"/>
+            <a:off x="7589044" y="2312481"/>
             <a:ext cx="367135" cy="502702"/>
           </a:xfrm>
           <a:prstGeom prst="rect">
@@ -20807,12 +20898,14 @@
           <a:lstStyle/>
           <a:p>
             <a:r>
-              <a:rPr lang="en-GB" sz="4000" b="1" baseline="-25000" dirty="0">
+              <a:rPr lang="en-GB" sz="4000" b="1" i="1" baseline="-25000" dirty="0">
                 <a:solidFill>
                   <a:srgbClr val="FF0000"/>
                 </a:solidFill>
+                <a:latin typeface="Times New Roman" panose="02020603050405020304" pitchFamily="18" charset="0"/>
+                <a:cs typeface="Times New Roman" panose="02020603050405020304" pitchFamily="18" charset="0"/>
               </a:rPr>
-              <a:t>i</a:t>
+              <a:t>j</a:t>
             </a:r>
             <a:r>
               <a:rPr lang="en-GB" sz="4000" b="1" baseline="-25000" dirty="0">
@@ -20844,8 +20937,8 @@
         </p:nvSpPr>
         <p:spPr>
           <a:xfrm>
-            <a:off x="7604239" y="2534842"/>
-            <a:ext cx="121047" cy="348616"/>
+            <a:off x="7604239" y="2534841"/>
+            <a:ext cx="203306" cy="378549"/>
           </a:xfrm>
           <a:prstGeom prst="roundRect">
             <a:avLst/>
@@ -20896,7 +20989,7 @@
         </p:nvSpPr>
         <p:spPr>
           <a:xfrm>
-            <a:off x="7856252" y="2085174"/>
+            <a:off x="7856252" y="2089938"/>
             <a:ext cx="3313160" cy="276999"/>
           </a:xfrm>
           <a:prstGeom prst="rect">
@@ -21006,7 +21099,7 @@
         </p:nvSpPr>
         <p:spPr>
           <a:xfrm>
-            <a:off x="7856252" y="2890935"/>
+            <a:off x="7856252" y="2870292"/>
             <a:ext cx="3313160" cy="276999"/>
           </a:xfrm>
           <a:prstGeom prst="rect">
@@ -21064,8 +21157,8 @@
         </p:nvCxnSpPr>
         <p:spPr>
           <a:xfrm>
-            <a:off x="7488804" y="2883458"/>
-            <a:ext cx="0" cy="136338"/>
+            <a:off x="7488804" y="2911491"/>
+            <a:ext cx="0" cy="108305"/>
           </a:xfrm>
           <a:prstGeom prst="line">
             <a:avLst/>
@@ -21106,9 +21199,9 @@
           <p:nvPr/>
         </p:nvCxnSpPr>
         <p:spPr>
-          <a:xfrm flipH="1">
-            <a:off x="7480969" y="3019796"/>
-            <a:ext cx="398422" cy="0"/>
+          <a:xfrm flipH="1" flipV="1">
+            <a:off x="7478536" y="3016563"/>
+            <a:ext cx="447494" cy="4066"/>
           </a:xfrm>
           <a:prstGeom prst="line">
             <a:avLst/>
@@ -21145,14 +21238,13 @@
           </p:cNvPr>
           <p:cNvCxnSpPr>
             <a:cxnSpLocks/>
-            <a:stCxn id="47" idx="3"/>
           </p:cNvCxnSpPr>
           <p:nvPr/>
         </p:nvCxnSpPr>
         <p:spPr>
-          <a:xfrm flipV="1">
-            <a:off x="7725286" y="2709150"/>
-            <a:ext cx="154105" cy="1"/>
+          <a:xfrm>
+            <a:off x="7804169" y="2722763"/>
+            <a:ext cx="122056" cy="0"/>
           </a:xfrm>
           <a:prstGeom prst="line">
             <a:avLst/>
@@ -21194,8 +21286,8 @@
         </p:nvCxnSpPr>
         <p:spPr>
           <a:xfrm>
-            <a:off x="7539203" y="2242843"/>
-            <a:ext cx="340188" cy="0"/>
+            <a:off x="7568133" y="2228438"/>
+            <a:ext cx="353217" cy="0"/>
           </a:xfrm>
           <a:prstGeom prst="line">
             <a:avLst/>
